--- a/ppt 16-9/0771.阿爸等我回家.pptx
+++ b/ppt 16-9/0771.阿爸等我回家.pptx
@@ -5,7 +5,7 @@
     <p:sldMasterId id="2147483648" r:id="rId1"/>
   </p:sldMasterIdLst>
   <p:sldIdLst>
-    <p:sldId id="2026" r:id="rId2"/>
+    <p:sldId id="2027" r:id="rId2"/>
   </p:sldIdLst>
   <p:sldSz cx="12192000" cy="6858000"/>
   <p:notesSz cx="6858000" cy="9144000"/>
@@ -129,7 +129,7 @@
           <p:cNvPr id="2" name="标题 1">
             <a:extLst>
               <a:ext uri="{FF2B5EF4-FFF2-40B4-BE49-F238E27FC236}">
-                <a16:creationId xmlns:a16="http://schemas.microsoft.com/office/drawing/2014/main" id="{ED7832F9-7D6B-F76D-9CF9-F3C220A15B30}"/>
+                <a16:creationId xmlns:a16="http://schemas.microsoft.com/office/drawing/2014/main" id="{ABD50494-76F8-7524-B7DC-6AF37B77A106}"/>
               </a:ext>
             </a:extLst>
           </p:cNvPr>
@@ -166,7 +166,7 @@
           <p:cNvPr id="3" name="副标题 2">
             <a:extLst>
               <a:ext uri="{FF2B5EF4-FFF2-40B4-BE49-F238E27FC236}">
-                <a16:creationId xmlns:a16="http://schemas.microsoft.com/office/drawing/2014/main" id="{6CEEB371-70B1-A061-4AA6-81413BDDB951}"/>
+                <a16:creationId xmlns:a16="http://schemas.microsoft.com/office/drawing/2014/main" id="{34097BB6-DEC4-4D49-68FD-273FC805110C}"/>
               </a:ext>
             </a:extLst>
           </p:cNvPr>
@@ -236,7 +236,7 @@
           <p:cNvPr id="4" name="日期占位符 3">
             <a:extLst>
               <a:ext uri="{FF2B5EF4-FFF2-40B4-BE49-F238E27FC236}">
-                <a16:creationId xmlns:a16="http://schemas.microsoft.com/office/drawing/2014/main" id="{B51977D3-30ED-5B3D-6E74-798E05C2E295}"/>
+                <a16:creationId xmlns:a16="http://schemas.microsoft.com/office/drawing/2014/main" id="{1DF2A27A-C95A-2BD2-7376-A1255BF6F29F}"/>
               </a:ext>
             </a:extLst>
           </p:cNvPr>
@@ -252,7 +252,7 @@
           <a:bodyPr/>
           <a:lstStyle/>
           <a:p>
-            <a:fld id="{80D2707C-C331-40A6-8911-381017EC6BE9}" type="datetimeFigureOut">
+            <a:fld id="{FBB276D4-962E-4D86-968E-DD2A26F47341}" type="datetimeFigureOut">
               <a:rPr lang="zh-CN" altLang="en-US" smtClean="0"/>
               <a:t>2024/3/10</a:t>
             </a:fld>
@@ -265,7 +265,7 @@
           <p:cNvPr id="5" name="页脚占位符 4">
             <a:extLst>
               <a:ext uri="{FF2B5EF4-FFF2-40B4-BE49-F238E27FC236}">
-                <a16:creationId xmlns:a16="http://schemas.microsoft.com/office/drawing/2014/main" id="{BD54C9DD-E162-74DF-50F6-22E257D58F8F}"/>
+                <a16:creationId xmlns:a16="http://schemas.microsoft.com/office/drawing/2014/main" id="{37BDFD54-A4E4-541E-53BD-AAD7FF10821C}"/>
               </a:ext>
             </a:extLst>
           </p:cNvPr>
@@ -290,7 +290,7 @@
           <p:cNvPr id="6" name="灯片编号占位符 5">
             <a:extLst>
               <a:ext uri="{FF2B5EF4-FFF2-40B4-BE49-F238E27FC236}">
-                <a16:creationId xmlns:a16="http://schemas.microsoft.com/office/drawing/2014/main" id="{B5862975-0FC4-4013-0198-9042AAD23B1F}"/>
+                <a16:creationId xmlns:a16="http://schemas.microsoft.com/office/drawing/2014/main" id="{BF84A308-C5C7-108C-6DB3-2877B0EF6470}"/>
               </a:ext>
             </a:extLst>
           </p:cNvPr>
@@ -306,7 +306,7 @@
           <a:bodyPr/>
           <a:lstStyle/>
           <a:p>
-            <a:fld id="{21C2BB3D-B6CF-449A-B255-106206496846}" type="slidenum">
+            <a:fld id="{3E086B85-92D7-4814-828E-07BDBF3962CB}" type="slidenum">
               <a:rPr lang="zh-CN" altLang="en-US" smtClean="0"/>
               <a:t>‹#›</a:t>
             </a:fld>
@@ -317,7 +317,7 @@
     </p:spTree>
     <p:extLst>
       <p:ext uri="{BB962C8B-B14F-4D97-AF65-F5344CB8AC3E}">
-        <p14:creationId xmlns:p14="http://schemas.microsoft.com/office/powerpoint/2010/main" val="870005888"/>
+        <p14:creationId xmlns:p14="http://schemas.microsoft.com/office/powerpoint/2010/main" val="1890155062"/>
       </p:ext>
     </p:extLst>
   </p:cSld>
@@ -349,7 +349,7 @@
           <p:cNvPr id="2" name="标题 1">
             <a:extLst>
               <a:ext uri="{FF2B5EF4-FFF2-40B4-BE49-F238E27FC236}">
-                <a16:creationId xmlns:a16="http://schemas.microsoft.com/office/drawing/2014/main" id="{A1D3D967-8360-D22E-9594-43B6B261B2BD}"/>
+                <a16:creationId xmlns:a16="http://schemas.microsoft.com/office/drawing/2014/main" id="{1576CBFD-F3C5-A3D2-8791-1900DC03F0EB}"/>
               </a:ext>
             </a:extLst>
           </p:cNvPr>
@@ -377,7 +377,7 @@
           <p:cNvPr id="3" name="竖排文字占位符 2">
             <a:extLst>
               <a:ext uri="{FF2B5EF4-FFF2-40B4-BE49-F238E27FC236}">
-                <a16:creationId xmlns:a16="http://schemas.microsoft.com/office/drawing/2014/main" id="{C7F56453-849C-625F-00EE-0AD9433D0CCE}"/>
+                <a16:creationId xmlns:a16="http://schemas.microsoft.com/office/drawing/2014/main" id="{ABC72247-6143-03C0-EBEA-080FCBA9A6EC}"/>
               </a:ext>
             </a:extLst>
           </p:cNvPr>
@@ -434,7 +434,7 @@
           <p:cNvPr id="4" name="日期占位符 3">
             <a:extLst>
               <a:ext uri="{FF2B5EF4-FFF2-40B4-BE49-F238E27FC236}">
-                <a16:creationId xmlns:a16="http://schemas.microsoft.com/office/drawing/2014/main" id="{4B32ACE6-3D3B-7D18-5B15-FE98F3FC8ACD}"/>
+                <a16:creationId xmlns:a16="http://schemas.microsoft.com/office/drawing/2014/main" id="{8AFF1AA4-78E4-24E6-861F-FEEA4BB70F0C}"/>
               </a:ext>
             </a:extLst>
           </p:cNvPr>
@@ -450,7 +450,7 @@
           <a:bodyPr/>
           <a:lstStyle/>
           <a:p>
-            <a:fld id="{80D2707C-C331-40A6-8911-381017EC6BE9}" type="datetimeFigureOut">
+            <a:fld id="{FBB276D4-962E-4D86-968E-DD2A26F47341}" type="datetimeFigureOut">
               <a:rPr lang="zh-CN" altLang="en-US" smtClean="0"/>
               <a:t>2024/3/10</a:t>
             </a:fld>
@@ -463,7 +463,7 @@
           <p:cNvPr id="5" name="页脚占位符 4">
             <a:extLst>
               <a:ext uri="{FF2B5EF4-FFF2-40B4-BE49-F238E27FC236}">
-                <a16:creationId xmlns:a16="http://schemas.microsoft.com/office/drawing/2014/main" id="{E11CFE7C-5B21-39E2-A769-E1BF8A2FE561}"/>
+                <a16:creationId xmlns:a16="http://schemas.microsoft.com/office/drawing/2014/main" id="{E909BB52-E763-C94F-13A4-74EFB88447FA}"/>
               </a:ext>
             </a:extLst>
           </p:cNvPr>
@@ -488,7 +488,7 @@
           <p:cNvPr id="6" name="灯片编号占位符 5">
             <a:extLst>
               <a:ext uri="{FF2B5EF4-FFF2-40B4-BE49-F238E27FC236}">
-                <a16:creationId xmlns:a16="http://schemas.microsoft.com/office/drawing/2014/main" id="{60009B5C-0CDE-5830-D35A-367BFCCC8E80}"/>
+                <a16:creationId xmlns:a16="http://schemas.microsoft.com/office/drawing/2014/main" id="{F11C5F65-C9FB-95B4-74BC-38D2EF82B9F1}"/>
               </a:ext>
             </a:extLst>
           </p:cNvPr>
@@ -504,7 +504,7 @@
           <a:bodyPr/>
           <a:lstStyle/>
           <a:p>
-            <a:fld id="{21C2BB3D-B6CF-449A-B255-106206496846}" type="slidenum">
+            <a:fld id="{3E086B85-92D7-4814-828E-07BDBF3962CB}" type="slidenum">
               <a:rPr lang="zh-CN" altLang="en-US" smtClean="0"/>
               <a:t>‹#›</a:t>
             </a:fld>
@@ -515,7 +515,7 @@
     </p:spTree>
     <p:extLst>
       <p:ext uri="{BB962C8B-B14F-4D97-AF65-F5344CB8AC3E}">
-        <p14:creationId xmlns:p14="http://schemas.microsoft.com/office/powerpoint/2010/main" val="2534387958"/>
+        <p14:creationId xmlns:p14="http://schemas.microsoft.com/office/powerpoint/2010/main" val="4248291487"/>
       </p:ext>
     </p:extLst>
   </p:cSld>
@@ -547,7 +547,7 @@
           <p:cNvPr id="2" name="竖排标题 1">
             <a:extLst>
               <a:ext uri="{FF2B5EF4-FFF2-40B4-BE49-F238E27FC236}">
-                <a16:creationId xmlns:a16="http://schemas.microsoft.com/office/drawing/2014/main" id="{60F9BD3D-F535-6B27-38BF-CD971C458B2F}"/>
+                <a16:creationId xmlns:a16="http://schemas.microsoft.com/office/drawing/2014/main" id="{D94C18D6-216A-5083-48A8-2E6059F58063}"/>
               </a:ext>
             </a:extLst>
           </p:cNvPr>
@@ -580,7 +580,7 @@
           <p:cNvPr id="3" name="竖排文字占位符 2">
             <a:extLst>
               <a:ext uri="{FF2B5EF4-FFF2-40B4-BE49-F238E27FC236}">
-                <a16:creationId xmlns:a16="http://schemas.microsoft.com/office/drawing/2014/main" id="{F28D514D-69D8-1DD7-5EED-F391D2AACA95}"/>
+                <a16:creationId xmlns:a16="http://schemas.microsoft.com/office/drawing/2014/main" id="{BCAA57B1-BA31-6429-5EB2-861195A5DDB6}"/>
               </a:ext>
             </a:extLst>
           </p:cNvPr>
@@ -642,7 +642,7 @@
           <p:cNvPr id="4" name="日期占位符 3">
             <a:extLst>
               <a:ext uri="{FF2B5EF4-FFF2-40B4-BE49-F238E27FC236}">
-                <a16:creationId xmlns:a16="http://schemas.microsoft.com/office/drawing/2014/main" id="{9906B5F6-2A18-D1C1-7A2B-59D60DEAEBB6}"/>
+                <a16:creationId xmlns:a16="http://schemas.microsoft.com/office/drawing/2014/main" id="{84EDE6CE-FDFF-A6B8-7C0C-2EFEB1301AE6}"/>
               </a:ext>
             </a:extLst>
           </p:cNvPr>
@@ -658,7 +658,7 @@
           <a:bodyPr/>
           <a:lstStyle/>
           <a:p>
-            <a:fld id="{80D2707C-C331-40A6-8911-381017EC6BE9}" type="datetimeFigureOut">
+            <a:fld id="{FBB276D4-962E-4D86-968E-DD2A26F47341}" type="datetimeFigureOut">
               <a:rPr lang="zh-CN" altLang="en-US" smtClean="0"/>
               <a:t>2024/3/10</a:t>
             </a:fld>
@@ -671,7 +671,7 @@
           <p:cNvPr id="5" name="页脚占位符 4">
             <a:extLst>
               <a:ext uri="{FF2B5EF4-FFF2-40B4-BE49-F238E27FC236}">
-                <a16:creationId xmlns:a16="http://schemas.microsoft.com/office/drawing/2014/main" id="{A4C620F6-39AE-4615-1E3D-2AF061449EAC}"/>
+                <a16:creationId xmlns:a16="http://schemas.microsoft.com/office/drawing/2014/main" id="{04023EAF-C894-8146-9B30-B5E479C6B3B7}"/>
               </a:ext>
             </a:extLst>
           </p:cNvPr>
@@ -696,7 +696,7 @@
           <p:cNvPr id="6" name="灯片编号占位符 5">
             <a:extLst>
               <a:ext uri="{FF2B5EF4-FFF2-40B4-BE49-F238E27FC236}">
-                <a16:creationId xmlns:a16="http://schemas.microsoft.com/office/drawing/2014/main" id="{1C4B9A1B-BD14-85B5-4F5F-079C7D59E7AE}"/>
+                <a16:creationId xmlns:a16="http://schemas.microsoft.com/office/drawing/2014/main" id="{5972833D-64DC-A90F-E089-653249C93423}"/>
               </a:ext>
             </a:extLst>
           </p:cNvPr>
@@ -712,7 +712,7 @@
           <a:bodyPr/>
           <a:lstStyle/>
           <a:p>
-            <a:fld id="{21C2BB3D-B6CF-449A-B255-106206496846}" type="slidenum">
+            <a:fld id="{3E086B85-92D7-4814-828E-07BDBF3962CB}" type="slidenum">
               <a:rPr lang="zh-CN" altLang="en-US" smtClean="0"/>
               <a:t>‹#›</a:t>
             </a:fld>
@@ -723,7 +723,7 @@
     </p:spTree>
     <p:extLst>
       <p:ext uri="{BB962C8B-B14F-4D97-AF65-F5344CB8AC3E}">
-        <p14:creationId xmlns:p14="http://schemas.microsoft.com/office/powerpoint/2010/main" val="3468883030"/>
+        <p14:creationId xmlns:p14="http://schemas.microsoft.com/office/powerpoint/2010/main" val="1121757242"/>
       </p:ext>
     </p:extLst>
   </p:cSld>
@@ -755,7 +755,7 @@
           <p:cNvPr id="2" name="标题 1">
             <a:extLst>
               <a:ext uri="{FF2B5EF4-FFF2-40B4-BE49-F238E27FC236}">
-                <a16:creationId xmlns:a16="http://schemas.microsoft.com/office/drawing/2014/main" id="{77FB1FB2-B75D-48BE-E0C7-D06C5CFE9BB7}"/>
+                <a16:creationId xmlns:a16="http://schemas.microsoft.com/office/drawing/2014/main" id="{F1D3088E-BBE2-4EF8-1739-47B404F994FB}"/>
               </a:ext>
             </a:extLst>
           </p:cNvPr>
@@ -783,7 +783,7 @@
           <p:cNvPr id="3" name="内容占位符 2">
             <a:extLst>
               <a:ext uri="{FF2B5EF4-FFF2-40B4-BE49-F238E27FC236}">
-                <a16:creationId xmlns:a16="http://schemas.microsoft.com/office/drawing/2014/main" id="{CA24C28E-F6DB-7BA3-9ACE-D7ED7D128845}"/>
+                <a16:creationId xmlns:a16="http://schemas.microsoft.com/office/drawing/2014/main" id="{DCF44902-5A97-D00B-8691-D9C5EDAF4369}"/>
               </a:ext>
             </a:extLst>
           </p:cNvPr>
@@ -840,7 +840,7 @@
           <p:cNvPr id="4" name="日期占位符 3">
             <a:extLst>
               <a:ext uri="{FF2B5EF4-FFF2-40B4-BE49-F238E27FC236}">
-                <a16:creationId xmlns:a16="http://schemas.microsoft.com/office/drawing/2014/main" id="{48122D85-C148-3379-A0A5-52C6E0E1E7DF}"/>
+                <a16:creationId xmlns:a16="http://schemas.microsoft.com/office/drawing/2014/main" id="{8894A3F3-B72B-8C3E-D00F-012C45C40A7F}"/>
               </a:ext>
             </a:extLst>
           </p:cNvPr>
@@ -856,7 +856,7 @@
           <a:bodyPr/>
           <a:lstStyle/>
           <a:p>
-            <a:fld id="{80D2707C-C331-40A6-8911-381017EC6BE9}" type="datetimeFigureOut">
+            <a:fld id="{FBB276D4-962E-4D86-968E-DD2A26F47341}" type="datetimeFigureOut">
               <a:rPr lang="zh-CN" altLang="en-US" smtClean="0"/>
               <a:t>2024/3/10</a:t>
             </a:fld>
@@ -869,7 +869,7 @@
           <p:cNvPr id="5" name="页脚占位符 4">
             <a:extLst>
               <a:ext uri="{FF2B5EF4-FFF2-40B4-BE49-F238E27FC236}">
-                <a16:creationId xmlns:a16="http://schemas.microsoft.com/office/drawing/2014/main" id="{B0BAAA7C-94C8-D6F0-6028-B638C21D955B}"/>
+                <a16:creationId xmlns:a16="http://schemas.microsoft.com/office/drawing/2014/main" id="{22C96377-468F-3C4B-73BB-B2534BAAB7E3}"/>
               </a:ext>
             </a:extLst>
           </p:cNvPr>
@@ -894,7 +894,7 @@
           <p:cNvPr id="6" name="灯片编号占位符 5">
             <a:extLst>
               <a:ext uri="{FF2B5EF4-FFF2-40B4-BE49-F238E27FC236}">
-                <a16:creationId xmlns:a16="http://schemas.microsoft.com/office/drawing/2014/main" id="{15D55BD5-BBA1-20A6-8D78-C356545D7D0D}"/>
+                <a16:creationId xmlns:a16="http://schemas.microsoft.com/office/drawing/2014/main" id="{C8C26B17-63E9-4EED-DD02-FBF4776379C2}"/>
               </a:ext>
             </a:extLst>
           </p:cNvPr>
@@ -910,7 +910,7 @@
           <a:bodyPr/>
           <a:lstStyle/>
           <a:p>
-            <a:fld id="{21C2BB3D-B6CF-449A-B255-106206496846}" type="slidenum">
+            <a:fld id="{3E086B85-92D7-4814-828E-07BDBF3962CB}" type="slidenum">
               <a:rPr lang="zh-CN" altLang="en-US" smtClean="0"/>
               <a:t>‹#›</a:t>
             </a:fld>
@@ -921,7 +921,7 @@
     </p:spTree>
     <p:extLst>
       <p:ext uri="{BB962C8B-B14F-4D97-AF65-F5344CB8AC3E}">
-        <p14:creationId xmlns:p14="http://schemas.microsoft.com/office/powerpoint/2010/main" val="1135489295"/>
+        <p14:creationId xmlns:p14="http://schemas.microsoft.com/office/powerpoint/2010/main" val="1503897781"/>
       </p:ext>
     </p:extLst>
   </p:cSld>
@@ -953,7 +953,7 @@
           <p:cNvPr id="2" name="标题 1">
             <a:extLst>
               <a:ext uri="{FF2B5EF4-FFF2-40B4-BE49-F238E27FC236}">
-                <a16:creationId xmlns:a16="http://schemas.microsoft.com/office/drawing/2014/main" id="{6A950B7F-568D-7EC9-B584-578261CD8BA6}"/>
+                <a16:creationId xmlns:a16="http://schemas.microsoft.com/office/drawing/2014/main" id="{67B57ED5-AB03-A2AA-F0FF-3F163B9FEC26}"/>
               </a:ext>
             </a:extLst>
           </p:cNvPr>
@@ -990,7 +990,7 @@
           <p:cNvPr id="3" name="文本占位符 2">
             <a:extLst>
               <a:ext uri="{FF2B5EF4-FFF2-40B4-BE49-F238E27FC236}">
-                <a16:creationId xmlns:a16="http://schemas.microsoft.com/office/drawing/2014/main" id="{DCBC4513-6061-B36E-C799-72557C3AE781}"/>
+                <a16:creationId xmlns:a16="http://schemas.microsoft.com/office/drawing/2014/main" id="{1C9E1257-3B50-B349-0F49-5A77199DB462}"/>
               </a:ext>
             </a:extLst>
           </p:cNvPr>
@@ -1115,7 +1115,7 @@
           <p:cNvPr id="4" name="日期占位符 3">
             <a:extLst>
               <a:ext uri="{FF2B5EF4-FFF2-40B4-BE49-F238E27FC236}">
-                <a16:creationId xmlns:a16="http://schemas.microsoft.com/office/drawing/2014/main" id="{35977ABB-5C01-B1C1-6B4B-433297D21E24}"/>
+                <a16:creationId xmlns:a16="http://schemas.microsoft.com/office/drawing/2014/main" id="{47261C6A-2657-2E28-7B52-ED90C9576B7D}"/>
               </a:ext>
             </a:extLst>
           </p:cNvPr>
@@ -1131,7 +1131,7 @@
           <a:bodyPr/>
           <a:lstStyle/>
           <a:p>
-            <a:fld id="{80D2707C-C331-40A6-8911-381017EC6BE9}" type="datetimeFigureOut">
+            <a:fld id="{FBB276D4-962E-4D86-968E-DD2A26F47341}" type="datetimeFigureOut">
               <a:rPr lang="zh-CN" altLang="en-US" smtClean="0"/>
               <a:t>2024/3/10</a:t>
             </a:fld>
@@ -1144,7 +1144,7 @@
           <p:cNvPr id="5" name="页脚占位符 4">
             <a:extLst>
               <a:ext uri="{FF2B5EF4-FFF2-40B4-BE49-F238E27FC236}">
-                <a16:creationId xmlns:a16="http://schemas.microsoft.com/office/drawing/2014/main" id="{5A663AD4-EC6C-D4F1-0984-1FB9DDFCE0BF}"/>
+                <a16:creationId xmlns:a16="http://schemas.microsoft.com/office/drawing/2014/main" id="{1B7CE0AC-FC38-4989-6B1A-601CA6F28213}"/>
               </a:ext>
             </a:extLst>
           </p:cNvPr>
@@ -1169,7 +1169,7 @@
           <p:cNvPr id="6" name="灯片编号占位符 5">
             <a:extLst>
               <a:ext uri="{FF2B5EF4-FFF2-40B4-BE49-F238E27FC236}">
-                <a16:creationId xmlns:a16="http://schemas.microsoft.com/office/drawing/2014/main" id="{874F69EF-27ED-F90C-39E2-EFBD05BAA543}"/>
+                <a16:creationId xmlns:a16="http://schemas.microsoft.com/office/drawing/2014/main" id="{F25AB65D-D871-6EED-AC30-00B85CB4BC21}"/>
               </a:ext>
             </a:extLst>
           </p:cNvPr>
@@ -1185,7 +1185,7 @@
           <a:bodyPr/>
           <a:lstStyle/>
           <a:p>
-            <a:fld id="{21C2BB3D-B6CF-449A-B255-106206496846}" type="slidenum">
+            <a:fld id="{3E086B85-92D7-4814-828E-07BDBF3962CB}" type="slidenum">
               <a:rPr lang="zh-CN" altLang="en-US" smtClean="0"/>
               <a:t>‹#›</a:t>
             </a:fld>
@@ -1196,7 +1196,7 @@
     </p:spTree>
     <p:extLst>
       <p:ext uri="{BB962C8B-B14F-4D97-AF65-F5344CB8AC3E}">
-        <p14:creationId xmlns:p14="http://schemas.microsoft.com/office/powerpoint/2010/main" val="2650800016"/>
+        <p14:creationId xmlns:p14="http://schemas.microsoft.com/office/powerpoint/2010/main" val="2259790248"/>
       </p:ext>
     </p:extLst>
   </p:cSld>
@@ -1228,7 +1228,7 @@
           <p:cNvPr id="2" name="标题 1">
             <a:extLst>
               <a:ext uri="{FF2B5EF4-FFF2-40B4-BE49-F238E27FC236}">
-                <a16:creationId xmlns:a16="http://schemas.microsoft.com/office/drawing/2014/main" id="{A91C9EED-8D1A-C92D-EC58-45EA2DDB77F0}"/>
+                <a16:creationId xmlns:a16="http://schemas.microsoft.com/office/drawing/2014/main" id="{6E41A946-20F0-0592-D93C-EFB0921787DA}"/>
               </a:ext>
             </a:extLst>
           </p:cNvPr>
@@ -1256,7 +1256,7 @@
           <p:cNvPr id="3" name="内容占位符 2">
             <a:extLst>
               <a:ext uri="{FF2B5EF4-FFF2-40B4-BE49-F238E27FC236}">
-                <a16:creationId xmlns:a16="http://schemas.microsoft.com/office/drawing/2014/main" id="{CD5D5062-D7AA-24E8-B7F9-4EDFC3871140}"/>
+                <a16:creationId xmlns:a16="http://schemas.microsoft.com/office/drawing/2014/main" id="{39F5C181-A0CE-E11A-B718-BB81DED17C8C}"/>
               </a:ext>
             </a:extLst>
           </p:cNvPr>
@@ -1318,7 +1318,7 @@
           <p:cNvPr id="4" name="内容占位符 3">
             <a:extLst>
               <a:ext uri="{FF2B5EF4-FFF2-40B4-BE49-F238E27FC236}">
-                <a16:creationId xmlns:a16="http://schemas.microsoft.com/office/drawing/2014/main" id="{C1FFBA5F-E879-EF3D-D848-53186AB17AC3}"/>
+                <a16:creationId xmlns:a16="http://schemas.microsoft.com/office/drawing/2014/main" id="{1AADAFEF-008D-80AB-CDE3-BDB43303737E}"/>
               </a:ext>
             </a:extLst>
           </p:cNvPr>
@@ -1380,7 +1380,7 @@
           <p:cNvPr id="5" name="日期占位符 4">
             <a:extLst>
               <a:ext uri="{FF2B5EF4-FFF2-40B4-BE49-F238E27FC236}">
-                <a16:creationId xmlns:a16="http://schemas.microsoft.com/office/drawing/2014/main" id="{7CFB70B1-2393-E400-1EE9-2C3A3CA9DCD6}"/>
+                <a16:creationId xmlns:a16="http://schemas.microsoft.com/office/drawing/2014/main" id="{45DFC791-3325-9E4E-0B37-F80D2502F307}"/>
               </a:ext>
             </a:extLst>
           </p:cNvPr>
@@ -1396,7 +1396,7 @@
           <a:bodyPr/>
           <a:lstStyle/>
           <a:p>
-            <a:fld id="{80D2707C-C331-40A6-8911-381017EC6BE9}" type="datetimeFigureOut">
+            <a:fld id="{FBB276D4-962E-4D86-968E-DD2A26F47341}" type="datetimeFigureOut">
               <a:rPr lang="zh-CN" altLang="en-US" smtClean="0"/>
               <a:t>2024/3/10</a:t>
             </a:fld>
@@ -1409,7 +1409,7 @@
           <p:cNvPr id="6" name="页脚占位符 5">
             <a:extLst>
               <a:ext uri="{FF2B5EF4-FFF2-40B4-BE49-F238E27FC236}">
-                <a16:creationId xmlns:a16="http://schemas.microsoft.com/office/drawing/2014/main" id="{84528EFA-E17F-3AEF-5CED-B8CDF5B7D7EC}"/>
+                <a16:creationId xmlns:a16="http://schemas.microsoft.com/office/drawing/2014/main" id="{846C42AC-F249-7B6B-4EE7-DAAC80FE6D94}"/>
               </a:ext>
             </a:extLst>
           </p:cNvPr>
@@ -1434,7 +1434,7 @@
           <p:cNvPr id="7" name="灯片编号占位符 6">
             <a:extLst>
               <a:ext uri="{FF2B5EF4-FFF2-40B4-BE49-F238E27FC236}">
-                <a16:creationId xmlns:a16="http://schemas.microsoft.com/office/drawing/2014/main" id="{27D6F171-5C87-9559-DA53-2EE3AA77CD5D}"/>
+                <a16:creationId xmlns:a16="http://schemas.microsoft.com/office/drawing/2014/main" id="{715BE893-CEA8-F77D-2E8C-31C898E94B3D}"/>
               </a:ext>
             </a:extLst>
           </p:cNvPr>
@@ -1450,7 +1450,7 @@
           <a:bodyPr/>
           <a:lstStyle/>
           <a:p>
-            <a:fld id="{21C2BB3D-B6CF-449A-B255-106206496846}" type="slidenum">
+            <a:fld id="{3E086B85-92D7-4814-828E-07BDBF3962CB}" type="slidenum">
               <a:rPr lang="zh-CN" altLang="en-US" smtClean="0"/>
               <a:t>‹#›</a:t>
             </a:fld>
@@ -1461,7 +1461,7 @@
     </p:spTree>
     <p:extLst>
       <p:ext uri="{BB962C8B-B14F-4D97-AF65-F5344CB8AC3E}">
-        <p14:creationId xmlns:p14="http://schemas.microsoft.com/office/powerpoint/2010/main" val="4224632792"/>
+        <p14:creationId xmlns:p14="http://schemas.microsoft.com/office/powerpoint/2010/main" val="2480014114"/>
       </p:ext>
     </p:extLst>
   </p:cSld>
@@ -1493,7 +1493,7 @@
           <p:cNvPr id="2" name="标题 1">
             <a:extLst>
               <a:ext uri="{FF2B5EF4-FFF2-40B4-BE49-F238E27FC236}">
-                <a16:creationId xmlns:a16="http://schemas.microsoft.com/office/drawing/2014/main" id="{35E49262-4C42-A89B-480B-414E909A34A6}"/>
+                <a16:creationId xmlns:a16="http://schemas.microsoft.com/office/drawing/2014/main" id="{AA14E21E-2175-AE63-02CF-ECE852EFAE0D}"/>
               </a:ext>
             </a:extLst>
           </p:cNvPr>
@@ -1526,7 +1526,7 @@
           <p:cNvPr id="3" name="文本占位符 2">
             <a:extLst>
               <a:ext uri="{FF2B5EF4-FFF2-40B4-BE49-F238E27FC236}">
-                <a16:creationId xmlns:a16="http://schemas.microsoft.com/office/drawing/2014/main" id="{1D5B07AE-FC81-743F-0939-15F343B77ADA}"/>
+                <a16:creationId xmlns:a16="http://schemas.microsoft.com/office/drawing/2014/main" id="{9FA379B8-78B1-044E-6F21-FB45EF12AAFD}"/>
               </a:ext>
             </a:extLst>
           </p:cNvPr>
@@ -1597,7 +1597,7 @@
           <p:cNvPr id="4" name="内容占位符 3">
             <a:extLst>
               <a:ext uri="{FF2B5EF4-FFF2-40B4-BE49-F238E27FC236}">
-                <a16:creationId xmlns:a16="http://schemas.microsoft.com/office/drawing/2014/main" id="{CD6AE57A-D811-55FE-718F-C363AC680CB8}"/>
+                <a16:creationId xmlns:a16="http://schemas.microsoft.com/office/drawing/2014/main" id="{7C0E553F-BA1A-CE4E-4651-D79F731A8E69}"/>
               </a:ext>
             </a:extLst>
           </p:cNvPr>
@@ -1659,7 +1659,7 @@
           <p:cNvPr id="5" name="文本占位符 4">
             <a:extLst>
               <a:ext uri="{FF2B5EF4-FFF2-40B4-BE49-F238E27FC236}">
-                <a16:creationId xmlns:a16="http://schemas.microsoft.com/office/drawing/2014/main" id="{4D2604DF-4681-BF45-D5E6-286FC478F776}"/>
+                <a16:creationId xmlns:a16="http://schemas.microsoft.com/office/drawing/2014/main" id="{69E02385-D5DC-7E22-E478-0BC486A1FDBF}"/>
               </a:ext>
             </a:extLst>
           </p:cNvPr>
@@ -1730,7 +1730,7 @@
           <p:cNvPr id="6" name="内容占位符 5">
             <a:extLst>
               <a:ext uri="{FF2B5EF4-FFF2-40B4-BE49-F238E27FC236}">
-                <a16:creationId xmlns:a16="http://schemas.microsoft.com/office/drawing/2014/main" id="{CBA009FD-4582-9A3F-4BB4-0E328388A8C5}"/>
+                <a16:creationId xmlns:a16="http://schemas.microsoft.com/office/drawing/2014/main" id="{1088A181-495A-82FA-34AA-375BA6560654}"/>
               </a:ext>
             </a:extLst>
           </p:cNvPr>
@@ -1792,7 +1792,7 @@
           <p:cNvPr id="7" name="日期占位符 6">
             <a:extLst>
               <a:ext uri="{FF2B5EF4-FFF2-40B4-BE49-F238E27FC236}">
-                <a16:creationId xmlns:a16="http://schemas.microsoft.com/office/drawing/2014/main" id="{BB3818D8-B8B1-797B-D1C5-709BE9CF7D40}"/>
+                <a16:creationId xmlns:a16="http://schemas.microsoft.com/office/drawing/2014/main" id="{45116EB5-4A1E-DC76-8EA9-2A8225BE780D}"/>
               </a:ext>
             </a:extLst>
           </p:cNvPr>
@@ -1808,7 +1808,7 @@
           <a:bodyPr/>
           <a:lstStyle/>
           <a:p>
-            <a:fld id="{80D2707C-C331-40A6-8911-381017EC6BE9}" type="datetimeFigureOut">
+            <a:fld id="{FBB276D4-962E-4D86-968E-DD2A26F47341}" type="datetimeFigureOut">
               <a:rPr lang="zh-CN" altLang="en-US" smtClean="0"/>
               <a:t>2024/3/10</a:t>
             </a:fld>
@@ -1821,7 +1821,7 @@
           <p:cNvPr id="8" name="页脚占位符 7">
             <a:extLst>
               <a:ext uri="{FF2B5EF4-FFF2-40B4-BE49-F238E27FC236}">
-                <a16:creationId xmlns:a16="http://schemas.microsoft.com/office/drawing/2014/main" id="{04F2B9EA-9282-625E-F729-D0D0A085619D}"/>
+                <a16:creationId xmlns:a16="http://schemas.microsoft.com/office/drawing/2014/main" id="{11BE24E6-761E-0AFF-6208-9932857A14B3}"/>
               </a:ext>
             </a:extLst>
           </p:cNvPr>
@@ -1846,7 +1846,7 @@
           <p:cNvPr id="9" name="灯片编号占位符 8">
             <a:extLst>
               <a:ext uri="{FF2B5EF4-FFF2-40B4-BE49-F238E27FC236}">
-                <a16:creationId xmlns:a16="http://schemas.microsoft.com/office/drawing/2014/main" id="{8E6F0631-EE63-8E8C-1AB8-DE4E91D864CE}"/>
+                <a16:creationId xmlns:a16="http://schemas.microsoft.com/office/drawing/2014/main" id="{0BED593F-764F-1432-94E7-20D76B32B1A1}"/>
               </a:ext>
             </a:extLst>
           </p:cNvPr>
@@ -1862,7 +1862,7 @@
           <a:bodyPr/>
           <a:lstStyle/>
           <a:p>
-            <a:fld id="{21C2BB3D-B6CF-449A-B255-106206496846}" type="slidenum">
+            <a:fld id="{3E086B85-92D7-4814-828E-07BDBF3962CB}" type="slidenum">
               <a:rPr lang="zh-CN" altLang="en-US" smtClean="0"/>
               <a:t>‹#›</a:t>
             </a:fld>
@@ -1873,7 +1873,7 @@
     </p:spTree>
     <p:extLst>
       <p:ext uri="{BB962C8B-B14F-4D97-AF65-F5344CB8AC3E}">
-        <p14:creationId xmlns:p14="http://schemas.microsoft.com/office/powerpoint/2010/main" val="409324412"/>
+        <p14:creationId xmlns:p14="http://schemas.microsoft.com/office/powerpoint/2010/main" val="2100196095"/>
       </p:ext>
     </p:extLst>
   </p:cSld>
@@ -1905,7 +1905,7 @@
           <p:cNvPr id="2" name="标题 1">
             <a:extLst>
               <a:ext uri="{FF2B5EF4-FFF2-40B4-BE49-F238E27FC236}">
-                <a16:creationId xmlns:a16="http://schemas.microsoft.com/office/drawing/2014/main" id="{970DF640-868D-7EDA-A132-5D62275C9E70}"/>
+                <a16:creationId xmlns:a16="http://schemas.microsoft.com/office/drawing/2014/main" id="{8435E75E-828B-98E4-7907-A5C4DF06DFB4}"/>
               </a:ext>
             </a:extLst>
           </p:cNvPr>
@@ -1933,7 +1933,7 @@
           <p:cNvPr id="3" name="日期占位符 2">
             <a:extLst>
               <a:ext uri="{FF2B5EF4-FFF2-40B4-BE49-F238E27FC236}">
-                <a16:creationId xmlns:a16="http://schemas.microsoft.com/office/drawing/2014/main" id="{1E5B79FD-1179-A054-7A4D-D9531B397333}"/>
+                <a16:creationId xmlns:a16="http://schemas.microsoft.com/office/drawing/2014/main" id="{4444E4A8-D8A9-A6D7-970E-AB8549542CB2}"/>
               </a:ext>
             </a:extLst>
           </p:cNvPr>
@@ -1949,7 +1949,7 @@
           <a:bodyPr/>
           <a:lstStyle/>
           <a:p>
-            <a:fld id="{80D2707C-C331-40A6-8911-381017EC6BE9}" type="datetimeFigureOut">
+            <a:fld id="{FBB276D4-962E-4D86-968E-DD2A26F47341}" type="datetimeFigureOut">
               <a:rPr lang="zh-CN" altLang="en-US" smtClean="0"/>
               <a:t>2024/3/10</a:t>
             </a:fld>
@@ -1962,7 +1962,7 @@
           <p:cNvPr id="4" name="页脚占位符 3">
             <a:extLst>
               <a:ext uri="{FF2B5EF4-FFF2-40B4-BE49-F238E27FC236}">
-                <a16:creationId xmlns:a16="http://schemas.microsoft.com/office/drawing/2014/main" id="{C4867950-52C8-415F-5A53-6C480A472A86}"/>
+                <a16:creationId xmlns:a16="http://schemas.microsoft.com/office/drawing/2014/main" id="{0143AC1B-E71E-5063-821A-32A6D8704EA0}"/>
               </a:ext>
             </a:extLst>
           </p:cNvPr>
@@ -1987,7 +1987,7 @@
           <p:cNvPr id="5" name="灯片编号占位符 4">
             <a:extLst>
               <a:ext uri="{FF2B5EF4-FFF2-40B4-BE49-F238E27FC236}">
-                <a16:creationId xmlns:a16="http://schemas.microsoft.com/office/drawing/2014/main" id="{70CB5F13-26E8-5613-FFBF-2E265C559005}"/>
+                <a16:creationId xmlns:a16="http://schemas.microsoft.com/office/drawing/2014/main" id="{A90E6230-B5E8-F3BF-7E3D-9540FFF0894A}"/>
               </a:ext>
             </a:extLst>
           </p:cNvPr>
@@ -2003,7 +2003,7 @@
           <a:bodyPr/>
           <a:lstStyle/>
           <a:p>
-            <a:fld id="{21C2BB3D-B6CF-449A-B255-106206496846}" type="slidenum">
+            <a:fld id="{3E086B85-92D7-4814-828E-07BDBF3962CB}" type="slidenum">
               <a:rPr lang="zh-CN" altLang="en-US" smtClean="0"/>
               <a:t>‹#›</a:t>
             </a:fld>
@@ -2014,7 +2014,7 @@
     </p:spTree>
     <p:extLst>
       <p:ext uri="{BB962C8B-B14F-4D97-AF65-F5344CB8AC3E}">
-        <p14:creationId xmlns:p14="http://schemas.microsoft.com/office/powerpoint/2010/main" val="1753864940"/>
+        <p14:creationId xmlns:p14="http://schemas.microsoft.com/office/powerpoint/2010/main" val="2584676903"/>
       </p:ext>
     </p:extLst>
   </p:cSld>
@@ -2046,7 +2046,7 @@
           <p:cNvPr id="2" name="日期占位符 1">
             <a:extLst>
               <a:ext uri="{FF2B5EF4-FFF2-40B4-BE49-F238E27FC236}">
-                <a16:creationId xmlns:a16="http://schemas.microsoft.com/office/drawing/2014/main" id="{EA658344-1A27-D9A6-A81B-43C40485116F}"/>
+                <a16:creationId xmlns:a16="http://schemas.microsoft.com/office/drawing/2014/main" id="{79539973-79CF-7C42-551A-87515790A06D}"/>
               </a:ext>
             </a:extLst>
           </p:cNvPr>
@@ -2062,7 +2062,7 @@
           <a:bodyPr/>
           <a:lstStyle/>
           <a:p>
-            <a:fld id="{80D2707C-C331-40A6-8911-381017EC6BE9}" type="datetimeFigureOut">
+            <a:fld id="{FBB276D4-962E-4D86-968E-DD2A26F47341}" type="datetimeFigureOut">
               <a:rPr lang="zh-CN" altLang="en-US" smtClean="0"/>
               <a:t>2024/3/10</a:t>
             </a:fld>
@@ -2075,7 +2075,7 @@
           <p:cNvPr id="3" name="页脚占位符 2">
             <a:extLst>
               <a:ext uri="{FF2B5EF4-FFF2-40B4-BE49-F238E27FC236}">
-                <a16:creationId xmlns:a16="http://schemas.microsoft.com/office/drawing/2014/main" id="{C148A0D7-9924-8617-9293-2794AFAACFD6}"/>
+                <a16:creationId xmlns:a16="http://schemas.microsoft.com/office/drawing/2014/main" id="{1121ACD6-965A-5DB6-5618-630C11B85F00}"/>
               </a:ext>
             </a:extLst>
           </p:cNvPr>
@@ -2100,7 +2100,7 @@
           <p:cNvPr id="4" name="灯片编号占位符 3">
             <a:extLst>
               <a:ext uri="{FF2B5EF4-FFF2-40B4-BE49-F238E27FC236}">
-                <a16:creationId xmlns:a16="http://schemas.microsoft.com/office/drawing/2014/main" id="{2811FE4D-5D27-7F5F-0E70-14F65405B53A}"/>
+                <a16:creationId xmlns:a16="http://schemas.microsoft.com/office/drawing/2014/main" id="{B5BC2D99-F90D-A5C6-199F-3B46D4447C1F}"/>
               </a:ext>
             </a:extLst>
           </p:cNvPr>
@@ -2116,7 +2116,7 @@
           <a:bodyPr/>
           <a:lstStyle/>
           <a:p>
-            <a:fld id="{21C2BB3D-B6CF-449A-B255-106206496846}" type="slidenum">
+            <a:fld id="{3E086B85-92D7-4814-828E-07BDBF3962CB}" type="slidenum">
               <a:rPr lang="zh-CN" altLang="en-US" smtClean="0"/>
               <a:t>‹#›</a:t>
             </a:fld>
@@ -2127,7 +2127,7 @@
     </p:spTree>
     <p:extLst>
       <p:ext uri="{BB962C8B-B14F-4D97-AF65-F5344CB8AC3E}">
-        <p14:creationId xmlns:p14="http://schemas.microsoft.com/office/powerpoint/2010/main" val="143374903"/>
+        <p14:creationId xmlns:p14="http://schemas.microsoft.com/office/powerpoint/2010/main" val="1922846538"/>
       </p:ext>
     </p:extLst>
   </p:cSld>
@@ -2159,7 +2159,7 @@
           <p:cNvPr id="2" name="标题 1">
             <a:extLst>
               <a:ext uri="{FF2B5EF4-FFF2-40B4-BE49-F238E27FC236}">
-                <a16:creationId xmlns:a16="http://schemas.microsoft.com/office/drawing/2014/main" id="{0733D947-EE75-25EE-9DD7-9A460EE783B9}"/>
+                <a16:creationId xmlns:a16="http://schemas.microsoft.com/office/drawing/2014/main" id="{351EF589-25CC-EB02-F798-E64E6E9891A2}"/>
               </a:ext>
             </a:extLst>
           </p:cNvPr>
@@ -2196,7 +2196,7 @@
           <p:cNvPr id="3" name="内容占位符 2">
             <a:extLst>
               <a:ext uri="{FF2B5EF4-FFF2-40B4-BE49-F238E27FC236}">
-                <a16:creationId xmlns:a16="http://schemas.microsoft.com/office/drawing/2014/main" id="{578928DD-16B1-6735-809E-5FA545235C28}"/>
+                <a16:creationId xmlns:a16="http://schemas.microsoft.com/office/drawing/2014/main" id="{85BF716B-B411-9544-8620-53EDD9F3FDE1}"/>
               </a:ext>
             </a:extLst>
           </p:cNvPr>
@@ -2286,7 +2286,7 @@
           <p:cNvPr id="4" name="文本占位符 3">
             <a:extLst>
               <a:ext uri="{FF2B5EF4-FFF2-40B4-BE49-F238E27FC236}">
-                <a16:creationId xmlns:a16="http://schemas.microsoft.com/office/drawing/2014/main" id="{AE309E2A-970F-4527-204E-669D206B1C50}"/>
+                <a16:creationId xmlns:a16="http://schemas.microsoft.com/office/drawing/2014/main" id="{117C0DC6-4251-DD8A-B4D8-24AECE5BA420}"/>
               </a:ext>
             </a:extLst>
           </p:cNvPr>
@@ -2357,7 +2357,7 @@
           <p:cNvPr id="5" name="日期占位符 4">
             <a:extLst>
               <a:ext uri="{FF2B5EF4-FFF2-40B4-BE49-F238E27FC236}">
-                <a16:creationId xmlns:a16="http://schemas.microsoft.com/office/drawing/2014/main" id="{80B675B2-F8F2-D7DB-F14B-36B2C18CEEDB}"/>
+                <a16:creationId xmlns:a16="http://schemas.microsoft.com/office/drawing/2014/main" id="{0DA25DE2-0C70-1E7D-2442-5EC3062313AB}"/>
               </a:ext>
             </a:extLst>
           </p:cNvPr>
@@ -2373,7 +2373,7 @@
           <a:bodyPr/>
           <a:lstStyle/>
           <a:p>
-            <a:fld id="{80D2707C-C331-40A6-8911-381017EC6BE9}" type="datetimeFigureOut">
+            <a:fld id="{FBB276D4-962E-4D86-968E-DD2A26F47341}" type="datetimeFigureOut">
               <a:rPr lang="zh-CN" altLang="en-US" smtClean="0"/>
               <a:t>2024/3/10</a:t>
             </a:fld>
@@ -2386,7 +2386,7 @@
           <p:cNvPr id="6" name="页脚占位符 5">
             <a:extLst>
               <a:ext uri="{FF2B5EF4-FFF2-40B4-BE49-F238E27FC236}">
-                <a16:creationId xmlns:a16="http://schemas.microsoft.com/office/drawing/2014/main" id="{90BEC1FE-FB14-9CCC-4E68-6A364BC37320}"/>
+                <a16:creationId xmlns:a16="http://schemas.microsoft.com/office/drawing/2014/main" id="{ADBFBABD-09C0-DC3B-CC8E-DC8ECAC466BC}"/>
               </a:ext>
             </a:extLst>
           </p:cNvPr>
@@ -2411,7 +2411,7 @@
           <p:cNvPr id="7" name="灯片编号占位符 6">
             <a:extLst>
               <a:ext uri="{FF2B5EF4-FFF2-40B4-BE49-F238E27FC236}">
-                <a16:creationId xmlns:a16="http://schemas.microsoft.com/office/drawing/2014/main" id="{E8A54020-1B74-CFBD-758B-A5A67EC4BE3F}"/>
+                <a16:creationId xmlns:a16="http://schemas.microsoft.com/office/drawing/2014/main" id="{0F566C66-CE5A-9339-79B9-C14AE6974A30}"/>
               </a:ext>
             </a:extLst>
           </p:cNvPr>
@@ -2427,7 +2427,7 @@
           <a:bodyPr/>
           <a:lstStyle/>
           <a:p>
-            <a:fld id="{21C2BB3D-B6CF-449A-B255-106206496846}" type="slidenum">
+            <a:fld id="{3E086B85-92D7-4814-828E-07BDBF3962CB}" type="slidenum">
               <a:rPr lang="zh-CN" altLang="en-US" smtClean="0"/>
               <a:t>‹#›</a:t>
             </a:fld>
@@ -2438,7 +2438,7 @@
     </p:spTree>
     <p:extLst>
       <p:ext uri="{BB962C8B-B14F-4D97-AF65-F5344CB8AC3E}">
-        <p14:creationId xmlns:p14="http://schemas.microsoft.com/office/powerpoint/2010/main" val="1515834738"/>
+        <p14:creationId xmlns:p14="http://schemas.microsoft.com/office/powerpoint/2010/main" val="362912352"/>
       </p:ext>
     </p:extLst>
   </p:cSld>
@@ -2470,7 +2470,7 @@
           <p:cNvPr id="2" name="标题 1">
             <a:extLst>
               <a:ext uri="{FF2B5EF4-FFF2-40B4-BE49-F238E27FC236}">
-                <a16:creationId xmlns:a16="http://schemas.microsoft.com/office/drawing/2014/main" id="{7964F0FE-6E24-E0D1-25D6-2A7891201722}"/>
+                <a16:creationId xmlns:a16="http://schemas.microsoft.com/office/drawing/2014/main" id="{75C630B0-390F-EA28-F5EB-84178172EF7F}"/>
               </a:ext>
             </a:extLst>
           </p:cNvPr>
@@ -2507,7 +2507,7 @@
           <p:cNvPr id="3" name="图片占位符 2">
             <a:extLst>
               <a:ext uri="{FF2B5EF4-FFF2-40B4-BE49-F238E27FC236}">
-                <a16:creationId xmlns:a16="http://schemas.microsoft.com/office/drawing/2014/main" id="{7687A39E-56FA-86FC-9078-1A6BBA0FBA1F}"/>
+                <a16:creationId xmlns:a16="http://schemas.microsoft.com/office/drawing/2014/main" id="{757D875A-99D2-3766-33A5-4DEC7DCE375F}"/>
               </a:ext>
             </a:extLst>
           </p:cNvPr>
@@ -2574,7 +2574,7 @@
           <p:cNvPr id="4" name="文本占位符 3">
             <a:extLst>
               <a:ext uri="{FF2B5EF4-FFF2-40B4-BE49-F238E27FC236}">
-                <a16:creationId xmlns:a16="http://schemas.microsoft.com/office/drawing/2014/main" id="{CEAA9E66-4D97-CA35-F881-074DEA2CE5A2}"/>
+                <a16:creationId xmlns:a16="http://schemas.microsoft.com/office/drawing/2014/main" id="{97D31B77-C62A-0F61-996D-146CB9B5BE54}"/>
               </a:ext>
             </a:extLst>
           </p:cNvPr>
@@ -2645,7 +2645,7 @@
           <p:cNvPr id="5" name="日期占位符 4">
             <a:extLst>
               <a:ext uri="{FF2B5EF4-FFF2-40B4-BE49-F238E27FC236}">
-                <a16:creationId xmlns:a16="http://schemas.microsoft.com/office/drawing/2014/main" id="{8EB81349-E921-7FAA-36C9-0AEBE37061C6}"/>
+                <a16:creationId xmlns:a16="http://schemas.microsoft.com/office/drawing/2014/main" id="{4F139522-4040-F719-DAAA-4BACCCFA66DF}"/>
               </a:ext>
             </a:extLst>
           </p:cNvPr>
@@ -2661,7 +2661,7 @@
           <a:bodyPr/>
           <a:lstStyle/>
           <a:p>
-            <a:fld id="{80D2707C-C331-40A6-8911-381017EC6BE9}" type="datetimeFigureOut">
+            <a:fld id="{FBB276D4-962E-4D86-968E-DD2A26F47341}" type="datetimeFigureOut">
               <a:rPr lang="zh-CN" altLang="en-US" smtClean="0"/>
               <a:t>2024/3/10</a:t>
             </a:fld>
@@ -2674,7 +2674,7 @@
           <p:cNvPr id="6" name="页脚占位符 5">
             <a:extLst>
               <a:ext uri="{FF2B5EF4-FFF2-40B4-BE49-F238E27FC236}">
-                <a16:creationId xmlns:a16="http://schemas.microsoft.com/office/drawing/2014/main" id="{991E9F78-933A-7720-25CF-B57EF758CDC6}"/>
+                <a16:creationId xmlns:a16="http://schemas.microsoft.com/office/drawing/2014/main" id="{AC594D54-E55F-E9DD-19B7-73E3C6F57D5C}"/>
               </a:ext>
             </a:extLst>
           </p:cNvPr>
@@ -2699,7 +2699,7 @@
           <p:cNvPr id="7" name="灯片编号占位符 6">
             <a:extLst>
               <a:ext uri="{FF2B5EF4-FFF2-40B4-BE49-F238E27FC236}">
-                <a16:creationId xmlns:a16="http://schemas.microsoft.com/office/drawing/2014/main" id="{2203C5AA-0008-7910-E980-0866E66960C8}"/>
+                <a16:creationId xmlns:a16="http://schemas.microsoft.com/office/drawing/2014/main" id="{E2A715B1-824C-0876-69E0-D7B0216B5193}"/>
               </a:ext>
             </a:extLst>
           </p:cNvPr>
@@ -2715,7 +2715,7 @@
           <a:bodyPr/>
           <a:lstStyle/>
           <a:p>
-            <a:fld id="{21C2BB3D-B6CF-449A-B255-106206496846}" type="slidenum">
+            <a:fld id="{3E086B85-92D7-4814-828E-07BDBF3962CB}" type="slidenum">
               <a:rPr lang="zh-CN" altLang="en-US" smtClean="0"/>
               <a:t>‹#›</a:t>
             </a:fld>
@@ -2726,7 +2726,7 @@
     </p:spTree>
     <p:extLst>
       <p:ext uri="{BB962C8B-B14F-4D97-AF65-F5344CB8AC3E}">
-        <p14:creationId xmlns:p14="http://schemas.microsoft.com/office/powerpoint/2010/main" val="1870165558"/>
+        <p14:creationId xmlns:p14="http://schemas.microsoft.com/office/powerpoint/2010/main" val="2791275615"/>
       </p:ext>
     </p:extLst>
   </p:cSld>
@@ -2763,7 +2763,7 @@
           <p:cNvPr id="2" name="标题占位符 1">
             <a:extLst>
               <a:ext uri="{FF2B5EF4-FFF2-40B4-BE49-F238E27FC236}">
-                <a16:creationId xmlns:a16="http://schemas.microsoft.com/office/drawing/2014/main" id="{F4D13E8E-8D8C-B99C-A93E-17E17B7357D4}"/>
+                <a16:creationId xmlns:a16="http://schemas.microsoft.com/office/drawing/2014/main" id="{A29F25DB-40CC-E84E-88AA-58D3DCCECC51}"/>
               </a:ext>
             </a:extLst>
           </p:cNvPr>
@@ -2801,7 +2801,7 @@
           <p:cNvPr id="3" name="文本占位符 2">
             <a:extLst>
               <a:ext uri="{FF2B5EF4-FFF2-40B4-BE49-F238E27FC236}">
-                <a16:creationId xmlns:a16="http://schemas.microsoft.com/office/drawing/2014/main" id="{4DC9FC0D-A2BD-874F-CE37-F6BF6DFA7248}"/>
+                <a16:creationId xmlns:a16="http://schemas.microsoft.com/office/drawing/2014/main" id="{E1B42F86-7678-209A-63FE-50F3BEE72A50}"/>
               </a:ext>
             </a:extLst>
           </p:cNvPr>
@@ -2868,7 +2868,7 @@
           <p:cNvPr id="4" name="日期占位符 3">
             <a:extLst>
               <a:ext uri="{FF2B5EF4-FFF2-40B4-BE49-F238E27FC236}">
-                <a16:creationId xmlns:a16="http://schemas.microsoft.com/office/drawing/2014/main" id="{224EB3D9-4CFE-B8BC-1BF0-17F0038BC13F}"/>
+                <a16:creationId xmlns:a16="http://schemas.microsoft.com/office/drawing/2014/main" id="{A0FEB4A5-A7EE-154C-6253-C6B8C9D46DD7}"/>
               </a:ext>
             </a:extLst>
           </p:cNvPr>
@@ -2902,7 +2902,7 @@
             </a:lvl1pPr>
           </a:lstStyle>
           <a:p>
-            <a:fld id="{80D2707C-C331-40A6-8911-381017EC6BE9}" type="datetimeFigureOut">
+            <a:fld id="{FBB276D4-962E-4D86-968E-DD2A26F47341}" type="datetimeFigureOut">
               <a:rPr lang="zh-CN" altLang="en-US" smtClean="0"/>
               <a:t>2024/3/10</a:t>
             </a:fld>
@@ -2915,7 +2915,7 @@
           <p:cNvPr id="5" name="页脚占位符 4">
             <a:extLst>
               <a:ext uri="{FF2B5EF4-FFF2-40B4-BE49-F238E27FC236}">
-                <a16:creationId xmlns:a16="http://schemas.microsoft.com/office/drawing/2014/main" id="{A95CF0FA-5F80-DEFD-857A-560593BED8AC}"/>
+                <a16:creationId xmlns:a16="http://schemas.microsoft.com/office/drawing/2014/main" id="{30687A08-A25B-84AF-424D-C1163E519C9D}"/>
               </a:ext>
             </a:extLst>
           </p:cNvPr>
@@ -2958,7 +2958,7 @@
           <p:cNvPr id="6" name="灯片编号占位符 5">
             <a:extLst>
               <a:ext uri="{FF2B5EF4-FFF2-40B4-BE49-F238E27FC236}">
-                <a16:creationId xmlns:a16="http://schemas.microsoft.com/office/drawing/2014/main" id="{A6B279FA-CF80-167B-F1B9-65ADBEE24CB3}"/>
+                <a16:creationId xmlns:a16="http://schemas.microsoft.com/office/drawing/2014/main" id="{C6AD1E38-76A8-2289-1793-9D29ABD31730}"/>
               </a:ext>
             </a:extLst>
           </p:cNvPr>
@@ -2992,7 +2992,7 @@
             </a:lvl1pPr>
           </a:lstStyle>
           <a:p>
-            <a:fld id="{21C2BB3D-B6CF-449A-B255-106206496846}" type="slidenum">
+            <a:fld id="{3E086B85-92D7-4814-828E-07BDBF3962CB}" type="slidenum">
               <a:rPr lang="zh-CN" altLang="en-US" smtClean="0"/>
               <a:t>‹#›</a:t>
             </a:fld>
@@ -3003,7 +3003,7 @@
     </p:spTree>
     <p:extLst>
       <p:ext uri="{BB962C8B-B14F-4D97-AF65-F5344CB8AC3E}">
-        <p14:creationId xmlns:p14="http://schemas.microsoft.com/office/powerpoint/2010/main" val="1606989799"/>
+        <p14:creationId xmlns:p14="http://schemas.microsoft.com/office/powerpoint/2010/main" val="3917965501"/>
       </p:ext>
     </p:extLst>
   </p:cSld>
@@ -3323,7 +3323,7 @@
       </p:grpSpPr>
       <p:pic>
         <p:nvPicPr>
-          <p:cNvPr id="789506" name="Picture 2" descr="770"/>
+          <p:cNvPr id="790530" name="Picture 2" descr="771"/>
           <p:cNvPicPr>
             <a:picLocks noChangeAspect="1" noChangeArrowheads="1"/>
           </p:cNvPicPr>
